--- a/FinalProject_MykhailoKutsybala.pptx
+++ b/FinalProject_MykhailoKutsybala.pptx
@@ -350,7 +350,7 @@
             <a:fld id="{5586B75A-687E-405C-8A0B-8D00578BA2C3}" type="datetimeFigureOut">
               <a:rPr lang="en-US" dirty="0"/>
               <a:pPr/>
-              <a:t>2/10/2023</a:t>
+              <a:t>2/11/2023</a:t>
             </a:fld>
             <a:endParaRPr lang="en-US" dirty="0"/>
           </a:p>
@@ -517,7 +517,7 @@
             <a:fld id="{5586B75A-687E-405C-8A0B-8D00578BA2C3}" type="datetimeFigureOut">
               <a:rPr lang="en-US" dirty="0"/>
               <a:pPr/>
-              <a:t>2/10/2023</a:t>
+              <a:t>2/11/2023</a:t>
             </a:fld>
             <a:endParaRPr lang="en-US" dirty="0"/>
           </a:p>
@@ -694,7 +694,7 @@
             <a:fld id="{5586B75A-687E-405C-8A0B-8D00578BA2C3}" type="datetimeFigureOut">
               <a:rPr lang="en-US" dirty="0"/>
               <a:pPr/>
-              <a:t>2/10/2023</a:t>
+              <a:t>2/11/2023</a:t>
             </a:fld>
             <a:endParaRPr lang="en-US" dirty="0"/>
           </a:p>
@@ -861,7 +861,7 @@
             <a:fld id="{5586B75A-687E-405C-8A0B-8D00578BA2C3}" type="datetimeFigureOut">
               <a:rPr lang="en-US" dirty="0"/>
               <a:pPr/>
-              <a:t>2/10/2023</a:t>
+              <a:t>2/11/2023</a:t>
             </a:fld>
             <a:endParaRPr lang="en-US" dirty="0"/>
           </a:p>
@@ -1116,7 +1116,7 @@
             <a:fld id="{5586B75A-687E-405C-8A0B-8D00578BA2C3}" type="datetimeFigureOut">
               <a:rPr lang="en-US" dirty="0"/>
               <a:pPr/>
-              <a:t>2/10/2023</a:t>
+              <a:t>2/11/2023</a:t>
             </a:fld>
             <a:endParaRPr lang="en-US" dirty="0"/>
           </a:p>
@@ -1401,7 +1401,7 @@
             <a:fld id="{5586B75A-687E-405C-8A0B-8D00578BA2C3}" type="datetimeFigureOut">
               <a:rPr lang="en-US" dirty="0"/>
               <a:pPr/>
-              <a:t>2/10/2023</a:t>
+              <a:t>2/11/2023</a:t>
             </a:fld>
             <a:endParaRPr lang="en-US" dirty="0"/>
           </a:p>
@@ -1840,7 +1840,7 @@
             <a:fld id="{5586B75A-687E-405C-8A0B-8D00578BA2C3}" type="datetimeFigureOut">
               <a:rPr lang="en-US" dirty="0"/>
               <a:pPr/>
-              <a:t>2/10/2023</a:t>
+              <a:t>2/11/2023</a:t>
             </a:fld>
             <a:endParaRPr lang="en-US" dirty="0"/>
           </a:p>
@@ -1955,7 +1955,7 @@
             <a:fld id="{5586B75A-687E-405C-8A0B-8D00578BA2C3}" type="datetimeFigureOut">
               <a:rPr lang="en-US" dirty="0"/>
               <a:pPr/>
-              <a:t>2/10/2023</a:t>
+              <a:t>2/11/2023</a:t>
             </a:fld>
             <a:endParaRPr lang="en-US" dirty="0"/>
           </a:p>
@@ -2047,7 +2047,7 @@
             <a:fld id="{5586B75A-687E-405C-8A0B-8D00578BA2C3}" type="datetimeFigureOut">
               <a:rPr lang="en-US" dirty="0"/>
               <a:pPr/>
-              <a:t>2/10/2023</a:t>
+              <a:t>2/11/2023</a:t>
             </a:fld>
             <a:endParaRPr lang="en-US" dirty="0"/>
           </a:p>
@@ -2332,7 +2332,7 @@
             <a:fld id="{5586B75A-687E-405C-8A0B-8D00578BA2C3}" type="datetimeFigureOut">
               <a:rPr lang="en-US" dirty="0"/>
               <a:pPr/>
-              <a:t>2/10/2023</a:t>
+              <a:t>2/11/2023</a:t>
             </a:fld>
             <a:endParaRPr lang="en-US" dirty="0"/>
           </a:p>
@@ -2602,7 +2602,7 @@
             <a:fld id="{5586B75A-687E-405C-8A0B-8D00578BA2C3}" type="datetimeFigureOut">
               <a:rPr lang="en-US" dirty="0"/>
               <a:pPr/>
-              <a:t>2/10/2023</a:t>
+              <a:t>2/11/2023</a:t>
             </a:fld>
             <a:endParaRPr lang="en-US" dirty="0"/>
           </a:p>
@@ -2896,7 +2896,7 @@
             <a:fld id="{5586B75A-687E-405C-8A0B-8D00578BA2C3}" type="datetimeFigureOut">
               <a:rPr lang="en-US" dirty="0"/>
               <a:pPr/>
-              <a:t>2/10/2023</a:t>
+              <a:t>2/11/2023</a:t>
             </a:fld>
             <a:endParaRPr lang="en-US" dirty="0"/>
           </a:p>
@@ -4575,7 +4575,11 @@
             </a:r>
             <a:r>
               <a:rPr lang="en-US" dirty="0"/>
-              <a:t>2012 finished the National Aviation University in specialty "Administrative Management in Information Protection" and received a "Master of Science in Information Technology" degree</a:t>
+              <a:t>2012 finished the National Aviation University in specialty "Administrative Management in Information Protection" and received a "Master of Science in Information Technology" </a:t>
+            </a:r>
+            <a:r>
+              <a:rPr lang="en-US" dirty="0" smtClean="0"/>
+              <a:t>degree.</a:t>
             </a:r>
             <a:endParaRPr lang="ru-RU" dirty="0"/>
           </a:p>
@@ -4610,7 +4614,11 @@
             </a:r>
             <a:r>
               <a:rPr lang="en-US" dirty="0"/>
-              <a:t>than four years working as a security systems administrator, experienced in building and supporting networks, deploying, setting up, and supporting servers (including virtual environments, VMware). Administrating Windows and Linux-based hosts</a:t>
+              <a:t>than four years working as a security systems administrator, experienced in building and supporting networks, deploying, setting up, and supporting servers (including virtual environments, VMware). Administrating Windows and Linux-based </a:t>
+            </a:r>
+            <a:r>
+              <a:rPr lang="en-US" dirty="0" smtClean="0"/>
+              <a:t>hosts.</a:t>
             </a:r>
             <a:endParaRPr lang="ru-RU" dirty="0"/>
           </a:p>
@@ -4645,7 +4653,11 @@
             </a:r>
             <a:r>
               <a:rPr lang="en-US" dirty="0"/>
-              <a:t>am actively deepening my knowledge and rising hands on experience in DevOps practices and tools.</a:t>
+              <a:t>am actively deepening my knowledge and rising hands on experience in DevOps practices and </a:t>
+            </a:r>
+            <a:r>
+              <a:rPr lang="en-US" dirty="0" smtClean="0"/>
+              <a:t>tools.</a:t>
             </a:r>
             <a:endParaRPr lang="ru-RU" dirty="0"/>
           </a:p>
@@ -5528,12 +5540,12 @@
             <a:pPr algn="just"/>
             <a:r>
               <a:rPr lang="en-US" dirty="0"/>
-              <a:t>	 As a process orchestration and automation tool, Jenkins is suitable.</a:t>
-            </a:r>
-            <a:endParaRPr lang="en-US" dirty="0" smtClean="0"/>
-          </a:p>
-          <a:p>
-            <a:pPr algn="just"/>
+              <a:t>	</a:t>
+            </a:r>
+            <a:r>
+              <a:rPr lang="en-US" dirty="0"/>
+              <a:t>As a process orchestration and automation tool, Jenkins is suitable, so the SCM-based Jenkins pipeline was made for task implementation.</a:t>
+            </a:r>
             <a:endParaRPr lang="en-US" dirty="0" smtClean="0"/>
           </a:p>
         </p:txBody>

--- a/FinalProject_MykhailoKutsybala.pptx
+++ b/FinalProject_MykhailoKutsybala.pptx
@@ -9,9 +9,9 @@
     <p:sldId id="257" r:id="rId3"/>
     <p:sldId id="260" r:id="rId4"/>
     <p:sldId id="258" r:id="rId5"/>
-    <p:sldId id="259" r:id="rId6"/>
-    <p:sldId id="261" r:id="rId7"/>
-    <p:sldId id="262" r:id="rId8"/>
+    <p:sldId id="262" r:id="rId6"/>
+    <p:sldId id="271" r:id="rId7"/>
+    <p:sldId id="272" r:id="rId8"/>
     <p:sldId id="263" r:id="rId9"/>
     <p:sldId id="264" r:id="rId10"/>
     <p:sldId id="265" r:id="rId11"/>
@@ -350,7 +350,7 @@
             <a:fld id="{5586B75A-687E-405C-8A0B-8D00578BA2C3}" type="datetimeFigureOut">
               <a:rPr lang="en-US" dirty="0"/>
               <a:pPr/>
-              <a:t>2/11/2023</a:t>
+              <a:t>2/13/2023</a:t>
             </a:fld>
             <a:endParaRPr lang="en-US" dirty="0"/>
           </a:p>
@@ -517,7 +517,7 @@
             <a:fld id="{5586B75A-687E-405C-8A0B-8D00578BA2C3}" type="datetimeFigureOut">
               <a:rPr lang="en-US" dirty="0"/>
               <a:pPr/>
-              <a:t>2/11/2023</a:t>
+              <a:t>2/13/2023</a:t>
             </a:fld>
             <a:endParaRPr lang="en-US" dirty="0"/>
           </a:p>
@@ -694,7 +694,7 @@
             <a:fld id="{5586B75A-687E-405C-8A0B-8D00578BA2C3}" type="datetimeFigureOut">
               <a:rPr lang="en-US" dirty="0"/>
               <a:pPr/>
-              <a:t>2/11/2023</a:t>
+              <a:t>2/13/2023</a:t>
             </a:fld>
             <a:endParaRPr lang="en-US" dirty="0"/>
           </a:p>
@@ -861,7 +861,7 @@
             <a:fld id="{5586B75A-687E-405C-8A0B-8D00578BA2C3}" type="datetimeFigureOut">
               <a:rPr lang="en-US" dirty="0"/>
               <a:pPr/>
-              <a:t>2/11/2023</a:t>
+              <a:t>2/13/2023</a:t>
             </a:fld>
             <a:endParaRPr lang="en-US" dirty="0"/>
           </a:p>
@@ -1116,7 +1116,7 @@
             <a:fld id="{5586B75A-687E-405C-8A0B-8D00578BA2C3}" type="datetimeFigureOut">
               <a:rPr lang="en-US" dirty="0"/>
               <a:pPr/>
-              <a:t>2/11/2023</a:t>
+              <a:t>2/13/2023</a:t>
             </a:fld>
             <a:endParaRPr lang="en-US" dirty="0"/>
           </a:p>
@@ -1401,7 +1401,7 @@
             <a:fld id="{5586B75A-687E-405C-8A0B-8D00578BA2C3}" type="datetimeFigureOut">
               <a:rPr lang="en-US" dirty="0"/>
               <a:pPr/>
-              <a:t>2/11/2023</a:t>
+              <a:t>2/13/2023</a:t>
             </a:fld>
             <a:endParaRPr lang="en-US" dirty="0"/>
           </a:p>
@@ -1840,7 +1840,7 @@
             <a:fld id="{5586B75A-687E-405C-8A0B-8D00578BA2C3}" type="datetimeFigureOut">
               <a:rPr lang="en-US" dirty="0"/>
               <a:pPr/>
-              <a:t>2/11/2023</a:t>
+              <a:t>2/13/2023</a:t>
             </a:fld>
             <a:endParaRPr lang="en-US" dirty="0"/>
           </a:p>
@@ -1955,7 +1955,7 @@
             <a:fld id="{5586B75A-687E-405C-8A0B-8D00578BA2C3}" type="datetimeFigureOut">
               <a:rPr lang="en-US" dirty="0"/>
               <a:pPr/>
-              <a:t>2/11/2023</a:t>
+              <a:t>2/13/2023</a:t>
             </a:fld>
             <a:endParaRPr lang="en-US" dirty="0"/>
           </a:p>
@@ -2047,7 +2047,7 @@
             <a:fld id="{5586B75A-687E-405C-8A0B-8D00578BA2C3}" type="datetimeFigureOut">
               <a:rPr lang="en-US" dirty="0"/>
               <a:pPr/>
-              <a:t>2/11/2023</a:t>
+              <a:t>2/13/2023</a:t>
             </a:fld>
             <a:endParaRPr lang="en-US" dirty="0"/>
           </a:p>
@@ -2332,7 +2332,7 @@
             <a:fld id="{5586B75A-687E-405C-8A0B-8D00578BA2C3}" type="datetimeFigureOut">
               <a:rPr lang="en-US" dirty="0"/>
               <a:pPr/>
-              <a:t>2/11/2023</a:t>
+              <a:t>2/13/2023</a:t>
             </a:fld>
             <a:endParaRPr lang="en-US" dirty="0"/>
           </a:p>
@@ -2602,7 +2602,7 @@
             <a:fld id="{5586B75A-687E-405C-8A0B-8D00578BA2C3}" type="datetimeFigureOut">
               <a:rPr lang="en-US" dirty="0"/>
               <a:pPr/>
-              <a:t>2/11/2023</a:t>
+              <a:t>2/13/2023</a:t>
             </a:fld>
             <a:endParaRPr lang="en-US" dirty="0"/>
           </a:p>
@@ -2896,7 +2896,7 @@
             <a:fld id="{5586B75A-687E-405C-8A0B-8D00578BA2C3}" type="datetimeFigureOut">
               <a:rPr lang="en-US" dirty="0"/>
               <a:pPr/>
-              <a:t>2/11/2023</a:t>
+              <a:t>2/13/2023</a:t>
             </a:fld>
             <a:endParaRPr lang="en-US" dirty="0"/>
           </a:p>
@@ -3973,7 +3973,7 @@
             <a:pPr algn="just"/>
             <a:r>
               <a:rPr lang="en-US" dirty="0"/>
-              <a:t>	In this project, modern technologies and tools were used for the task solution, which gives an opportunity effectively develop an application and try it in a real environment. Security enhancement by using AWS roles instead of permanent credentials, using remote state file storage, running build agents on separate nodes, and so on can be considered as an improvement of the project. There is a sense to implement those improvements with rising of the project.</a:t>
+              <a:t>	In this project, modern technologies and tools were used for the task solution, which gives an opportunity effectively develop an application and try it in a real environment. Security enhancement by using AWS roles instead of permanent credentials, using remote state file storage, running build agents on separate nodes, and so on can be considered as an improvement of the project. There is a sense to implement those improvements with the project scaling out.</a:t>
             </a:r>
             <a:endParaRPr lang="ru-RU" dirty="0"/>
           </a:p>
@@ -4304,10 +4304,6 @@
           <a:bodyPr rtlCol="0" anchor="ctr"/>
           <a:lstStyle/>
           <a:p>
-            <a:r>
-              <a:rPr lang="en-US" b="1" dirty="0" smtClean="0"/>
-              <a:t>The end</a:t>
-            </a:r>
             <a:endParaRPr lang="ru-RU" b="1" dirty="0"/>
           </a:p>
         </p:txBody>
@@ -4961,7 +4957,7 @@
                 <a:latin typeface="Arial" panose="020B0604020202020204" pitchFamily="34" charset="0"/>
                 <a:cs typeface="Arial" panose="020B0604020202020204" pitchFamily="34" charset="0"/>
               </a:rPr>
-              <a:t>For the development team working on a web-based application, create functionality that provides continuous code integration and a "sandbox" deployment.</a:t>
+              <a:t>For the development team working on a web-based application, create functionality that provides continuous code integration and deployment to a dev environment.</a:t>
             </a:r>
             <a:endParaRPr lang="ru-RU" dirty="0">
               <a:latin typeface="Arial" panose="020B0604020202020204" pitchFamily="34" charset="0"/>
@@ -4980,6 +4976,13 @@
   <p:clrMapOvr>
     <a:masterClrMapping/>
   </p:clrMapOvr>
+  <p:timing>
+    <p:tnLst>
+      <p:par>
+        <p:cTn id="1" dur="indefinite" restart="never" nodeType="tmRoot"/>
+      </p:par>
+    </p:tnLst>
+  </p:timing>
 </p:sld>
 </file>
 
@@ -5062,7 +5065,7 @@
         <p:spPr>
           <a:xfrm>
             <a:off x="4310743" y="1402079"/>
-            <a:ext cx="6769633" cy="3970318"/>
+            <a:ext cx="6769633" cy="3139321"/>
           </a:xfrm>
           <a:prstGeom prst="rect">
             <a:avLst/>
@@ -5078,17 +5081,6 @@
             <a:pPr algn="just"/>
             <a:r>
               <a:rPr lang="en-US" dirty="0" smtClean="0"/>
-              <a:t>	Software </a:t>
-            </a:r>
-            <a:r>
-              <a:rPr lang="en-US" dirty="0"/>
-              <a:t>development is a complex and multilayer process, so the choice of suitable methodology and proper tools has a crucial impact on the end result.</a:t>
-            </a:r>
-          </a:p>
-          <a:p>
-            <a:pPr algn="just"/>
-            <a:r>
-              <a:rPr lang="en-US" dirty="0" smtClean="0"/>
               <a:t>	Repeatable </a:t>
             </a:r>
             <a:r>
@@ -5100,13 +5092,16 @@
             <a:pPr algn="just"/>
             <a:r>
               <a:rPr lang="en-US" dirty="0" smtClean="0"/>
-              <a:t>	Automation </a:t>
+              <a:t>	</a:t>
             </a:r>
             <a:r>
               <a:rPr lang="en-US" dirty="0"/>
-              <a:t>can significantly improve the code quality, speed, and efficiency of the software development process. A good solution for the above-mentioned problems is the implementation of DevOps practices in the software lifecycle. </a:t>
-            </a:r>
-            <a:endParaRPr lang="en-US" dirty="0" smtClean="0"/>
+              <a:t>Automation can significantly improve the code quality, speed, and efficiency of the software development process. A good solution for the problems mentioned above is the implementation of DevOps practices in the software development lifecycle</a:t>
+            </a:r>
+            <a:r>
+              <a:rPr lang="en-US" dirty="0" smtClean="0"/>
+              <a:t>.</a:t>
+            </a:r>
           </a:p>
           <a:p>
             <a:pPr algn="just"/>
@@ -5270,83 +5265,6 @@
       </p:sp>
       <p:sp>
         <p:nvSpPr>
-          <p:cNvPr id="7" name="TextBox 6"/>
-          <p:cNvSpPr txBox="1"/>
-          <p:nvPr/>
-        </p:nvSpPr>
-        <p:spPr>
-          <a:xfrm>
-            <a:off x="4310743" y="1402079"/>
-            <a:ext cx="6769633" cy="3693319"/>
-          </a:xfrm>
-          <a:prstGeom prst="rect">
-            <a:avLst/>
-          </a:prstGeom>
-          <a:noFill/>
-        </p:spPr>
-        <p:txBody>
-          <a:bodyPr wrap="square" rtlCol="0">
-            <a:spAutoFit/>
-          </a:bodyPr>
-          <a:lstStyle/>
-          <a:p>
-            <a:pPr algn="just"/>
-            <a:r>
-              <a:rPr lang="en-US" dirty="0"/>
-              <a:t>	 A version control system is essential for any development team, it allows multiple team members to work together on the same project, provisions access to the latest code versions, tracks changes and provides a disaster recovery mechanism, and gives many other benefits. As the VCS for the project was chosen </a:t>
-            </a:r>
-            <a:r>
-              <a:rPr lang="en-US" dirty="0" err="1"/>
-              <a:t>Git</a:t>
-            </a:r>
-            <a:r>
-              <a:rPr lang="en-US" dirty="0"/>
-              <a:t> with a repository on GitHub. </a:t>
-            </a:r>
-            <a:endParaRPr lang="en-US" dirty="0" smtClean="0"/>
-          </a:p>
-          <a:p>
-            <a:pPr algn="just"/>
-            <a:r>
-              <a:rPr lang="en-US" dirty="0"/>
-              <a:t>	 Cloud platforms with the diversity of their services allow to reduce the end product price and increase speed, reliability, and flexibility of development. AWS fits well for project realization. 	</a:t>
-            </a:r>
-          </a:p>
-          <a:p>
-            <a:pPr algn="just"/>
-            <a:r>
-              <a:rPr lang="en-US" dirty="0" smtClean="0"/>
-              <a:t>	</a:t>
-            </a:r>
-            <a:r>
-              <a:rPr lang="en-US" dirty="0" err="1" smtClean="0"/>
-              <a:t>IaC</a:t>
-            </a:r>
-            <a:r>
-              <a:rPr lang="en-US" dirty="0" smtClean="0"/>
-              <a:t> </a:t>
-            </a:r>
-            <a:r>
-              <a:rPr lang="en-US" dirty="0"/>
-              <a:t>is an important part of implementing DevOps practices and CI/CD that takes away the majority of provisioning work from developers</a:t>
-            </a:r>
-            <a:r>
-              <a:rPr lang="en-US" dirty="0" smtClean="0"/>
-              <a:t>.</a:t>
-            </a:r>
-            <a:r>
-              <a:rPr lang="en-US" dirty="0"/>
-              <a:t> Terraform is one of the best in the area, so the choice is obvious</a:t>
-            </a:r>
-            <a:r>
-              <a:rPr lang="en-US" dirty="0" smtClean="0"/>
-              <a:t>.	</a:t>
-            </a:r>
-          </a:p>
-        </p:txBody>
-      </p:sp>
-      <p:sp>
-        <p:nvSpPr>
           <p:cNvPr id="3" name="Прямоугольник 2"/>
           <p:cNvSpPr/>
           <p:nvPr/>
@@ -5388,16 +5306,224 @@
           <a:p>
             <a:r>
               <a:rPr lang="en-US" b="1" dirty="0"/>
-              <a:t>Technologies and tools selection</a:t>
+              <a:t>Requirements</a:t>
             </a:r>
             <a:endParaRPr lang="ru-RU" b="1" dirty="0"/>
+          </a:p>
+        </p:txBody>
+      </p:sp>
+      <p:sp>
+        <p:nvSpPr>
+          <p:cNvPr id="7" name="Прямоугольник 6"/>
+          <p:cNvSpPr/>
+          <p:nvPr/>
+        </p:nvSpPr>
+        <p:spPr>
+          <a:xfrm>
+            <a:off x="4390205" y="1392227"/>
+            <a:ext cx="6751129" cy="461665"/>
+          </a:xfrm>
+          <a:prstGeom prst="rect">
+            <a:avLst/>
+          </a:prstGeom>
+          <a:noFill/>
+        </p:spPr>
+        <p:txBody>
+          <a:bodyPr wrap="square" lIns="91440" tIns="45720" rIns="91440" bIns="45720">
+            <a:spAutoFit/>
+          </a:bodyPr>
+          <a:lstStyle/>
+          <a:p>
+            <a:pPr marL="342900" indent="-342900" algn="just">
+              <a:buFont typeface="Wingdings" panose="05000000000000000000" pitchFamily="2" charset="2"/>
+              <a:buChar char="Ø"/>
+            </a:pPr>
+            <a:r>
+              <a:rPr lang="en-US" sz="2400" dirty="0"/>
+              <a:t>Store code in a repository</a:t>
+            </a:r>
+            <a:endParaRPr lang="ru-RU" sz="2400" dirty="0"/>
+          </a:p>
+        </p:txBody>
+      </p:sp>
+      <p:sp>
+        <p:nvSpPr>
+          <p:cNvPr id="8" name="Прямоугольник 7"/>
+          <p:cNvSpPr/>
+          <p:nvPr/>
+        </p:nvSpPr>
+        <p:spPr>
+          <a:xfrm>
+            <a:off x="4390204" y="2460113"/>
+            <a:ext cx="6751129" cy="461665"/>
+          </a:xfrm>
+          <a:prstGeom prst="rect">
+            <a:avLst/>
+          </a:prstGeom>
+          <a:noFill/>
+        </p:spPr>
+        <p:txBody>
+          <a:bodyPr wrap="square" lIns="91440" tIns="45720" rIns="91440" bIns="45720">
+            <a:spAutoFit/>
+          </a:bodyPr>
+          <a:lstStyle/>
+          <a:p>
+            <a:pPr marL="342900" indent="-342900" algn="just">
+              <a:buFont typeface="Wingdings" panose="05000000000000000000" pitchFamily="2" charset="2"/>
+              <a:buChar char="Ø"/>
+            </a:pPr>
+            <a:r>
+              <a:rPr lang="en-US" sz="2400" dirty="0"/>
+              <a:t>Automate build and deployment</a:t>
+            </a:r>
+            <a:endParaRPr lang="ru-RU" sz="2400" dirty="0"/>
+          </a:p>
+        </p:txBody>
+      </p:sp>
+      <p:sp>
+        <p:nvSpPr>
+          <p:cNvPr id="9" name="Прямоугольник 8"/>
+          <p:cNvSpPr/>
+          <p:nvPr/>
+        </p:nvSpPr>
+        <p:spPr>
+          <a:xfrm>
+            <a:off x="4390204" y="3001792"/>
+            <a:ext cx="6751129" cy="461665"/>
+          </a:xfrm>
+          <a:prstGeom prst="rect">
+            <a:avLst/>
+          </a:prstGeom>
+          <a:noFill/>
+        </p:spPr>
+        <p:txBody>
+          <a:bodyPr wrap="square" lIns="91440" tIns="45720" rIns="91440" bIns="45720">
+            <a:spAutoFit/>
+          </a:bodyPr>
+          <a:lstStyle/>
+          <a:p>
+            <a:pPr marL="342900" indent="-342900" algn="just">
+              <a:buFont typeface="Wingdings" panose="05000000000000000000" pitchFamily="2" charset="2"/>
+              <a:buChar char="Ø"/>
+            </a:pPr>
+            <a:r>
+              <a:rPr lang="en-US" sz="2400" dirty="0"/>
+              <a:t>Infrastructure as a code</a:t>
+            </a:r>
+            <a:endParaRPr lang="ru-RU" sz="2400" dirty="0"/>
+          </a:p>
+        </p:txBody>
+      </p:sp>
+      <p:sp>
+        <p:nvSpPr>
+          <p:cNvPr id="10" name="Прямоугольник 9"/>
+          <p:cNvSpPr/>
+          <p:nvPr/>
+        </p:nvSpPr>
+        <p:spPr>
+          <a:xfrm>
+            <a:off x="4390204" y="4077414"/>
+            <a:ext cx="6751129" cy="461665"/>
+          </a:xfrm>
+          <a:prstGeom prst="rect">
+            <a:avLst/>
+          </a:prstGeom>
+          <a:noFill/>
+        </p:spPr>
+        <p:txBody>
+          <a:bodyPr wrap="square" lIns="91440" tIns="45720" rIns="91440" bIns="45720">
+            <a:spAutoFit/>
+          </a:bodyPr>
+          <a:lstStyle/>
+          <a:p>
+            <a:pPr marL="342900" indent="-342900" algn="just">
+              <a:buFont typeface="Wingdings" panose="05000000000000000000" pitchFamily="2" charset="2"/>
+              <a:buChar char="Ø"/>
+            </a:pPr>
+            <a:r>
+              <a:rPr lang="en-US" sz="2400" dirty="0"/>
+              <a:t>Containerize workloads</a:t>
+            </a:r>
+            <a:endParaRPr lang="ru-RU" sz="2400" dirty="0"/>
+          </a:p>
+        </p:txBody>
+      </p:sp>
+      <p:sp>
+        <p:nvSpPr>
+          <p:cNvPr id="11" name="Прямоугольник 10"/>
+          <p:cNvSpPr/>
+          <p:nvPr/>
+        </p:nvSpPr>
+        <p:spPr>
+          <a:xfrm>
+            <a:off x="4390205" y="3543471"/>
+            <a:ext cx="6751129" cy="461665"/>
+          </a:xfrm>
+          <a:prstGeom prst="rect">
+            <a:avLst/>
+          </a:prstGeom>
+          <a:noFill/>
+        </p:spPr>
+        <p:txBody>
+          <a:bodyPr wrap="square" lIns="91440" tIns="45720" rIns="91440" bIns="45720">
+            <a:spAutoFit/>
+          </a:bodyPr>
+          <a:lstStyle/>
+          <a:p>
+            <a:pPr marL="342900" indent="-342900" algn="just">
+              <a:buFont typeface="Wingdings" panose="05000000000000000000" pitchFamily="2" charset="2"/>
+              <a:buChar char="Ø"/>
+            </a:pPr>
+            <a:r>
+              <a:rPr lang="en-US" sz="2400" dirty="0"/>
+              <a:t>Code a configuration management</a:t>
+            </a:r>
+            <a:endParaRPr lang="ru-RU" sz="2400" dirty="0"/>
+          </a:p>
+        </p:txBody>
+      </p:sp>
+      <p:sp>
+        <p:nvSpPr>
+          <p:cNvPr id="12" name="Прямоугольник 11"/>
+          <p:cNvSpPr/>
+          <p:nvPr/>
+        </p:nvSpPr>
+        <p:spPr>
+          <a:xfrm>
+            <a:off x="4390204" y="1926170"/>
+            <a:ext cx="6751129" cy="461665"/>
+          </a:xfrm>
+          <a:prstGeom prst="rect">
+            <a:avLst/>
+          </a:prstGeom>
+          <a:noFill/>
+        </p:spPr>
+        <p:txBody>
+          <a:bodyPr wrap="square" lIns="91440" tIns="45720" rIns="91440" bIns="45720">
+            <a:spAutoFit/>
+          </a:bodyPr>
+          <a:lstStyle/>
+          <a:p>
+            <a:pPr marL="342900" indent="-342900" algn="just">
+              <a:buFont typeface="Wingdings" panose="05000000000000000000" pitchFamily="2" charset="2"/>
+              <a:buChar char="Ø"/>
+            </a:pPr>
+            <a:r>
+              <a:rPr lang="en-US" sz="2400" dirty="0" smtClean="0"/>
+              <a:t>Work </a:t>
+            </a:r>
+            <a:r>
+              <a:rPr lang="en-US" sz="2400" dirty="0"/>
+              <a:t>in a cloud environment</a:t>
+            </a:r>
+            <a:endParaRPr lang="ru-RU" sz="2400" dirty="0"/>
           </a:p>
         </p:txBody>
       </p:sp>
     </p:spTree>
     <p:extLst>
       <p:ext uri="{BB962C8B-B14F-4D97-AF65-F5344CB8AC3E}">
-        <p14:creationId xmlns:p14="http://schemas.microsoft.com/office/powerpoint/2010/main" val="1964074795"/>
+        <p14:creationId xmlns:p14="http://schemas.microsoft.com/office/powerpoint/2010/main" val="529352645"/>
       </p:ext>
     </p:extLst>
   </p:cSld>
@@ -5407,9 +5533,264 @@
   <p:timing>
     <p:tnLst>
       <p:par>
-        <p:cTn id="1" dur="indefinite" restart="never" nodeType="tmRoot"/>
+        <p:cTn id="1" dur="indefinite" restart="never" nodeType="tmRoot">
+          <p:childTnLst>
+            <p:seq concurrent="1" nextAc="seek">
+              <p:cTn id="2" dur="indefinite" nodeType="mainSeq">
+                <p:childTnLst>
+                  <p:par>
+                    <p:cTn id="3" fill="hold">
+                      <p:stCondLst>
+                        <p:cond delay="indefinite"/>
+                      </p:stCondLst>
+                      <p:childTnLst>
+                        <p:par>
+                          <p:cTn id="4" fill="hold">
+                            <p:stCondLst>
+                              <p:cond delay="0"/>
+                            </p:stCondLst>
+                            <p:childTnLst>
+                              <p:par>
+                                <p:cTn id="5" presetID="1" presetClass="entr" presetSubtype="0" fill="hold" grpId="0" nodeType="clickEffect">
+                                  <p:stCondLst>
+                                    <p:cond delay="0"/>
+                                  </p:stCondLst>
+                                  <p:childTnLst>
+                                    <p:set>
+                                      <p:cBhvr>
+                                        <p:cTn id="6" dur="1" fill="hold">
+                                          <p:stCondLst>
+                                            <p:cond delay="0"/>
+                                          </p:stCondLst>
+                                        </p:cTn>
+                                        <p:tgtEl>
+                                          <p:spTgt spid="12"/>
+                                        </p:tgtEl>
+                                        <p:attrNameLst>
+                                          <p:attrName>style.visibility</p:attrName>
+                                        </p:attrNameLst>
+                                      </p:cBhvr>
+                                      <p:to>
+                                        <p:strVal val="visible"/>
+                                      </p:to>
+                                    </p:set>
+                                  </p:childTnLst>
+                                </p:cTn>
+                              </p:par>
+                            </p:childTnLst>
+                          </p:cTn>
+                        </p:par>
+                      </p:childTnLst>
+                    </p:cTn>
+                  </p:par>
+                  <p:par>
+                    <p:cTn id="7" fill="hold">
+                      <p:stCondLst>
+                        <p:cond delay="indefinite"/>
+                      </p:stCondLst>
+                      <p:childTnLst>
+                        <p:par>
+                          <p:cTn id="8" fill="hold">
+                            <p:stCondLst>
+                              <p:cond delay="0"/>
+                            </p:stCondLst>
+                            <p:childTnLst>
+                              <p:par>
+                                <p:cTn id="9" presetID="1" presetClass="entr" presetSubtype="0" fill="hold" grpId="0" nodeType="clickEffect">
+                                  <p:stCondLst>
+                                    <p:cond delay="0"/>
+                                  </p:stCondLst>
+                                  <p:childTnLst>
+                                    <p:set>
+                                      <p:cBhvr>
+                                        <p:cTn id="10" dur="1" fill="hold">
+                                          <p:stCondLst>
+                                            <p:cond delay="0"/>
+                                          </p:stCondLst>
+                                        </p:cTn>
+                                        <p:tgtEl>
+                                          <p:spTgt spid="8"/>
+                                        </p:tgtEl>
+                                        <p:attrNameLst>
+                                          <p:attrName>style.visibility</p:attrName>
+                                        </p:attrNameLst>
+                                      </p:cBhvr>
+                                      <p:to>
+                                        <p:strVal val="visible"/>
+                                      </p:to>
+                                    </p:set>
+                                  </p:childTnLst>
+                                </p:cTn>
+                              </p:par>
+                            </p:childTnLst>
+                          </p:cTn>
+                        </p:par>
+                      </p:childTnLst>
+                    </p:cTn>
+                  </p:par>
+                  <p:par>
+                    <p:cTn id="11" fill="hold">
+                      <p:stCondLst>
+                        <p:cond delay="indefinite"/>
+                      </p:stCondLst>
+                      <p:childTnLst>
+                        <p:par>
+                          <p:cTn id="12" fill="hold">
+                            <p:stCondLst>
+                              <p:cond delay="0"/>
+                            </p:stCondLst>
+                            <p:childTnLst>
+                              <p:par>
+                                <p:cTn id="13" presetID="1" presetClass="entr" presetSubtype="0" fill="hold" grpId="0" nodeType="clickEffect">
+                                  <p:stCondLst>
+                                    <p:cond delay="0"/>
+                                  </p:stCondLst>
+                                  <p:childTnLst>
+                                    <p:set>
+                                      <p:cBhvr>
+                                        <p:cTn id="14" dur="1" fill="hold">
+                                          <p:stCondLst>
+                                            <p:cond delay="0"/>
+                                          </p:stCondLst>
+                                        </p:cTn>
+                                        <p:tgtEl>
+                                          <p:spTgt spid="9"/>
+                                        </p:tgtEl>
+                                        <p:attrNameLst>
+                                          <p:attrName>style.visibility</p:attrName>
+                                        </p:attrNameLst>
+                                      </p:cBhvr>
+                                      <p:to>
+                                        <p:strVal val="visible"/>
+                                      </p:to>
+                                    </p:set>
+                                  </p:childTnLst>
+                                </p:cTn>
+                              </p:par>
+                            </p:childTnLst>
+                          </p:cTn>
+                        </p:par>
+                      </p:childTnLst>
+                    </p:cTn>
+                  </p:par>
+                  <p:par>
+                    <p:cTn id="15" fill="hold">
+                      <p:stCondLst>
+                        <p:cond delay="indefinite"/>
+                      </p:stCondLst>
+                      <p:childTnLst>
+                        <p:par>
+                          <p:cTn id="16" fill="hold">
+                            <p:stCondLst>
+                              <p:cond delay="0"/>
+                            </p:stCondLst>
+                            <p:childTnLst>
+                              <p:par>
+                                <p:cTn id="17" presetID="1" presetClass="entr" presetSubtype="0" fill="hold" grpId="0" nodeType="clickEffect">
+                                  <p:stCondLst>
+                                    <p:cond delay="0"/>
+                                  </p:stCondLst>
+                                  <p:childTnLst>
+                                    <p:set>
+                                      <p:cBhvr>
+                                        <p:cTn id="18" dur="1" fill="hold">
+                                          <p:stCondLst>
+                                            <p:cond delay="0"/>
+                                          </p:stCondLst>
+                                        </p:cTn>
+                                        <p:tgtEl>
+                                          <p:spTgt spid="11"/>
+                                        </p:tgtEl>
+                                        <p:attrNameLst>
+                                          <p:attrName>style.visibility</p:attrName>
+                                        </p:attrNameLst>
+                                      </p:cBhvr>
+                                      <p:to>
+                                        <p:strVal val="visible"/>
+                                      </p:to>
+                                    </p:set>
+                                  </p:childTnLst>
+                                </p:cTn>
+                              </p:par>
+                            </p:childTnLst>
+                          </p:cTn>
+                        </p:par>
+                      </p:childTnLst>
+                    </p:cTn>
+                  </p:par>
+                  <p:par>
+                    <p:cTn id="19" fill="hold">
+                      <p:stCondLst>
+                        <p:cond delay="indefinite"/>
+                      </p:stCondLst>
+                      <p:childTnLst>
+                        <p:par>
+                          <p:cTn id="20" fill="hold">
+                            <p:stCondLst>
+                              <p:cond delay="0"/>
+                            </p:stCondLst>
+                            <p:childTnLst>
+                              <p:par>
+                                <p:cTn id="21" presetID="1" presetClass="entr" presetSubtype="0" fill="hold" grpId="0" nodeType="clickEffect">
+                                  <p:stCondLst>
+                                    <p:cond delay="0"/>
+                                  </p:stCondLst>
+                                  <p:childTnLst>
+                                    <p:set>
+                                      <p:cBhvr>
+                                        <p:cTn id="22" dur="1" fill="hold">
+                                          <p:stCondLst>
+                                            <p:cond delay="0"/>
+                                          </p:stCondLst>
+                                        </p:cTn>
+                                        <p:tgtEl>
+                                          <p:spTgt spid="10"/>
+                                        </p:tgtEl>
+                                        <p:attrNameLst>
+                                          <p:attrName>style.visibility</p:attrName>
+                                        </p:attrNameLst>
+                                      </p:cBhvr>
+                                      <p:to>
+                                        <p:strVal val="visible"/>
+                                      </p:to>
+                                    </p:set>
+                                  </p:childTnLst>
+                                </p:cTn>
+                              </p:par>
+                            </p:childTnLst>
+                          </p:cTn>
+                        </p:par>
+                      </p:childTnLst>
+                    </p:cTn>
+                  </p:par>
+                </p:childTnLst>
+              </p:cTn>
+              <p:prevCondLst>
+                <p:cond evt="onPrev" delay="0">
+                  <p:tgtEl>
+                    <p:sldTgt/>
+                  </p:tgtEl>
+                </p:cond>
+              </p:prevCondLst>
+              <p:nextCondLst>
+                <p:cond evt="onNext" delay="0">
+                  <p:tgtEl>
+                    <p:sldTgt/>
+                  </p:tgtEl>
+                </p:cond>
+              </p:nextCondLst>
+            </p:seq>
+          </p:childTnLst>
+        </p:cTn>
       </p:par>
     </p:tnLst>
+    <p:bldLst>
+      <p:bldP spid="8" grpId="0"/>
+      <p:bldP spid="9" grpId="0"/>
+      <p:bldP spid="10" grpId="0"/>
+      <p:bldP spid="11" grpId="0"/>
+      <p:bldP spid="12" grpId="0"/>
+    </p:bldLst>
   </p:timing>
 </p:sld>
 </file>
@@ -5431,6 +5812,36 @@
           <a:chExt cx="0" cy="0"/>
         </a:xfrm>
       </p:grpSpPr>
+      <p:pic>
+        <p:nvPicPr>
+          <p:cNvPr id="13" name="Рисунок 12"/>
+          <p:cNvPicPr>
+            <a:picLocks noChangeAspect="1"/>
+          </p:cNvPicPr>
+          <p:nvPr/>
+        </p:nvPicPr>
+        <p:blipFill>
+          <a:blip r:embed="rId2">
+            <a:extLst>
+              <a:ext uri="{28A0092B-C50C-407E-A947-70E740481C1C}">
+                <a14:useLocalDpi xmlns:a14="http://schemas.microsoft.com/office/drawing/2010/main" val="0"/>
+              </a:ext>
+            </a:extLst>
+          </a:blip>
+          <a:stretch>
+            <a:fillRect/>
+          </a:stretch>
+        </p:blipFill>
+        <p:spPr>
+          <a:xfrm>
+            <a:off x="5262045" y="1355382"/>
+            <a:ext cx="4467497" cy="4467497"/>
+          </a:xfrm>
+          <a:prstGeom prst="rect">
+            <a:avLst/>
+          </a:prstGeom>
+        </p:spPr>
+      </p:pic>
       <p:sp>
         <p:nvSpPr>
           <p:cNvPr id="2" name="Заголовок 1"/>
@@ -5481,72 +5892,6 @@
               <a:t>environment</a:t>
             </a:r>
             <a:endParaRPr lang="ru-RU" dirty="0"/>
-          </a:p>
-        </p:txBody>
-      </p:sp>
-      <p:sp>
-        <p:nvSpPr>
-          <p:cNvPr id="7" name="TextBox 6"/>
-          <p:cNvSpPr txBox="1"/>
-          <p:nvPr/>
-        </p:nvSpPr>
-        <p:spPr>
-          <a:xfrm>
-            <a:off x="4310743" y="1402079"/>
-            <a:ext cx="6769633" cy="2308324"/>
-          </a:xfrm>
-          <a:prstGeom prst="rect">
-            <a:avLst/>
-          </a:prstGeom>
-          <a:noFill/>
-        </p:spPr>
-        <p:txBody>
-          <a:bodyPr wrap="square" rtlCol="0">
-            <a:spAutoFit/>
-          </a:bodyPr>
-          <a:lstStyle/>
-          <a:p>
-            <a:pPr algn="just"/>
-            <a:r>
-              <a:rPr lang="en-US" dirty="0"/>
-              <a:t>	 For centralized and standardized project configuration, </a:t>
-            </a:r>
-            <a:r>
-              <a:rPr lang="en-US" dirty="0" err="1"/>
-              <a:t>Ansible</a:t>
-            </a:r>
-            <a:r>
-              <a:rPr lang="en-US" dirty="0"/>
-              <a:t> is a good choice.</a:t>
-            </a:r>
-            <a:endParaRPr lang="en-US" dirty="0" smtClean="0"/>
-          </a:p>
-          <a:p>
-            <a:pPr algn="just"/>
-            <a:r>
-              <a:rPr lang="en-US" dirty="0" smtClean="0"/>
-              <a:t>	Containerization </a:t>
-            </a:r>
-            <a:r>
-              <a:rPr lang="en-US" dirty="0"/>
-              <a:t>technology gives many advantages as well, it enhances portability, scalability, fault tolerance, agility, etc. Docker was chosen</a:t>
-            </a:r>
-            <a:r>
-              <a:rPr lang="en-US" dirty="0" smtClean="0"/>
-              <a:t>.</a:t>
-            </a:r>
-          </a:p>
-          <a:p>
-            <a:pPr algn="just"/>
-            <a:r>
-              <a:rPr lang="en-US" dirty="0"/>
-              <a:t>	</a:t>
-            </a:r>
-            <a:r>
-              <a:rPr lang="en-US" dirty="0"/>
-              <a:t>As a process orchestration and automation tool, Jenkins is suitable, so the SCM-based Jenkins pipeline was made for task implementation.</a:t>
-            </a:r>
-            <a:endParaRPr lang="en-US" dirty="0" smtClean="0"/>
           </a:p>
         </p:txBody>
       </p:sp>
@@ -5599,10 +5944,190 @@
           </a:p>
         </p:txBody>
       </p:sp>
+      <p:pic>
+        <p:nvPicPr>
+          <p:cNvPr id="5" name="Рисунок 4"/>
+          <p:cNvPicPr>
+            <a:picLocks noChangeAspect="1"/>
+          </p:cNvPicPr>
+          <p:nvPr/>
+        </p:nvPicPr>
+        <p:blipFill>
+          <a:blip r:embed="rId3">
+            <a:extLst>
+              <a:ext uri="{28A0092B-C50C-407E-A947-70E740481C1C}">
+                <a14:useLocalDpi xmlns:a14="http://schemas.microsoft.com/office/drawing/2010/main" val="0"/>
+              </a:ext>
+            </a:extLst>
+          </a:blip>
+          <a:stretch>
+            <a:fillRect/>
+          </a:stretch>
+        </p:blipFill>
+        <p:spPr>
+          <a:xfrm>
+            <a:off x="4862672" y="1629702"/>
+            <a:ext cx="1070341" cy="966652"/>
+          </a:xfrm>
+          <a:prstGeom prst="rect">
+            <a:avLst/>
+          </a:prstGeom>
+        </p:spPr>
+      </p:pic>
+      <p:pic>
+        <p:nvPicPr>
+          <p:cNvPr id="6" name="Рисунок 5"/>
+          <p:cNvPicPr>
+            <a:picLocks noChangeAspect="1"/>
+          </p:cNvPicPr>
+          <p:nvPr/>
+        </p:nvPicPr>
+        <p:blipFill>
+          <a:blip r:embed="rId4">
+            <a:extLst>
+              <a:ext uri="{28A0092B-C50C-407E-A947-70E740481C1C}">
+                <a14:useLocalDpi xmlns:a14="http://schemas.microsoft.com/office/drawing/2010/main" val="0"/>
+              </a:ext>
+            </a:extLst>
+          </a:blip>
+          <a:stretch>
+            <a:fillRect/>
+          </a:stretch>
+        </p:blipFill>
+        <p:spPr>
+          <a:xfrm>
+            <a:off x="7111959" y="2622479"/>
+            <a:ext cx="966652" cy="966652"/>
+          </a:xfrm>
+          <a:prstGeom prst="rect">
+            <a:avLst/>
+          </a:prstGeom>
+        </p:spPr>
+      </p:pic>
+      <p:pic>
+        <p:nvPicPr>
+          <p:cNvPr id="8" name="Рисунок 7"/>
+          <p:cNvPicPr>
+            <a:picLocks noChangeAspect="1"/>
+          </p:cNvPicPr>
+          <p:nvPr/>
+        </p:nvPicPr>
+        <p:blipFill>
+          <a:blip r:embed="rId5">
+            <a:extLst>
+              <a:ext uri="{28A0092B-C50C-407E-A947-70E740481C1C}">
+                <a14:useLocalDpi xmlns:a14="http://schemas.microsoft.com/office/drawing/2010/main" val="0"/>
+              </a:ext>
+            </a:extLst>
+          </a:blip>
+          <a:stretch>
+            <a:fillRect/>
+          </a:stretch>
+        </p:blipFill>
+        <p:spPr>
+          <a:xfrm>
+            <a:off x="4590955" y="3563006"/>
+            <a:ext cx="1613776" cy="966652"/>
+          </a:xfrm>
+          <a:prstGeom prst="rect">
+            <a:avLst/>
+          </a:prstGeom>
+        </p:spPr>
+      </p:pic>
+      <p:pic>
+        <p:nvPicPr>
+          <p:cNvPr id="9" name="Рисунок 8"/>
+          <p:cNvPicPr>
+            <a:picLocks noChangeAspect="1"/>
+          </p:cNvPicPr>
+          <p:nvPr/>
+        </p:nvPicPr>
+        <p:blipFill>
+          <a:blip r:embed="rId6">
+            <a:extLst>
+              <a:ext uri="{28A0092B-C50C-407E-A947-70E740481C1C}">
+                <a14:useLocalDpi xmlns:a14="http://schemas.microsoft.com/office/drawing/2010/main" val="0"/>
+              </a:ext>
+            </a:extLst>
+          </a:blip>
+          <a:stretch>
+            <a:fillRect/>
+          </a:stretch>
+        </p:blipFill>
+        <p:spPr>
+          <a:xfrm>
+            <a:off x="9257557" y="1629702"/>
+            <a:ext cx="983016" cy="968858"/>
+          </a:xfrm>
+          <a:prstGeom prst="rect">
+            <a:avLst/>
+          </a:prstGeom>
+        </p:spPr>
+      </p:pic>
+      <p:pic>
+        <p:nvPicPr>
+          <p:cNvPr id="10" name="Рисунок 9"/>
+          <p:cNvPicPr>
+            <a:picLocks noChangeAspect="1"/>
+          </p:cNvPicPr>
+          <p:nvPr/>
+        </p:nvPicPr>
+        <p:blipFill>
+          <a:blip r:embed="rId7">
+            <a:extLst>
+              <a:ext uri="{28A0092B-C50C-407E-A947-70E740481C1C}">
+                <a14:useLocalDpi xmlns:a14="http://schemas.microsoft.com/office/drawing/2010/main" val="0"/>
+              </a:ext>
+            </a:extLst>
+          </a:blip>
+          <a:stretch>
+            <a:fillRect/>
+          </a:stretch>
+        </p:blipFill>
+        <p:spPr>
+          <a:xfrm>
+            <a:off x="9275990" y="3565075"/>
+            <a:ext cx="964583" cy="964583"/>
+          </a:xfrm>
+          <a:prstGeom prst="rect">
+            <a:avLst/>
+          </a:prstGeom>
+        </p:spPr>
+      </p:pic>
+      <p:pic>
+        <p:nvPicPr>
+          <p:cNvPr id="11" name="Рисунок 10"/>
+          <p:cNvPicPr>
+            <a:picLocks noChangeAspect="1"/>
+          </p:cNvPicPr>
+          <p:nvPr/>
+        </p:nvPicPr>
+        <p:blipFill>
+          <a:blip r:embed="rId8">
+            <a:extLst>
+              <a:ext uri="{28A0092B-C50C-407E-A947-70E740481C1C}">
+                <a14:useLocalDpi xmlns:a14="http://schemas.microsoft.com/office/drawing/2010/main" val="0"/>
+              </a:ext>
+            </a:extLst>
+          </a:blip>
+          <a:stretch>
+            <a:fillRect/>
+          </a:stretch>
+        </p:blipFill>
+        <p:spPr>
+          <a:xfrm>
+            <a:off x="7108887" y="4299200"/>
+            <a:ext cx="969724" cy="969724"/>
+          </a:xfrm>
+          <a:prstGeom prst="rect">
+            <a:avLst/>
+          </a:prstGeom>
+        </p:spPr>
+      </p:pic>
     </p:spTree>
     <p:extLst>
       <p:ext uri="{BB962C8B-B14F-4D97-AF65-F5344CB8AC3E}">
-        <p14:creationId xmlns:p14="http://schemas.microsoft.com/office/powerpoint/2010/main" val="3125657434"/>
+        <p14:creationId xmlns:p14="http://schemas.microsoft.com/office/powerpoint/2010/main" val="313990334"/>
       </p:ext>
     </p:extLst>
   </p:cSld>
@@ -5612,7 +6137,468 @@
   <p:timing>
     <p:tnLst>
       <p:par>
-        <p:cTn id="1" dur="indefinite" restart="never" nodeType="tmRoot"/>
+        <p:cTn id="1" dur="indefinite" restart="never" nodeType="tmRoot">
+          <p:childTnLst>
+            <p:seq concurrent="1" nextAc="seek">
+              <p:cTn id="2" dur="indefinite" nodeType="mainSeq">
+                <p:childTnLst>
+                  <p:par>
+                    <p:cTn id="3" fill="hold">
+                      <p:stCondLst>
+                        <p:cond delay="indefinite"/>
+                      </p:stCondLst>
+                      <p:childTnLst>
+                        <p:par>
+                          <p:cTn id="4" fill="hold">
+                            <p:stCondLst>
+                              <p:cond delay="0"/>
+                            </p:stCondLst>
+                            <p:childTnLst>
+                              <p:par>
+                                <p:cTn id="5" presetID="10" presetClass="exit" presetSubtype="0" fill="hold" nodeType="clickEffect">
+                                  <p:stCondLst>
+                                    <p:cond delay="0"/>
+                                  </p:stCondLst>
+                                  <p:childTnLst>
+                                    <p:animEffect transition="out" filter="fade">
+                                      <p:cBhvr>
+                                        <p:cTn id="6" dur="500"/>
+                                        <p:tgtEl>
+                                          <p:spTgt spid="13"/>
+                                        </p:tgtEl>
+                                      </p:cBhvr>
+                                    </p:animEffect>
+                                    <p:set>
+                                      <p:cBhvr>
+                                        <p:cTn id="7" dur="1" fill="hold">
+                                          <p:stCondLst>
+                                            <p:cond delay="499"/>
+                                          </p:stCondLst>
+                                        </p:cTn>
+                                        <p:tgtEl>
+                                          <p:spTgt spid="13"/>
+                                        </p:tgtEl>
+                                        <p:attrNameLst>
+                                          <p:attrName>style.visibility</p:attrName>
+                                        </p:attrNameLst>
+                                      </p:cBhvr>
+                                      <p:to>
+                                        <p:strVal val="hidden"/>
+                                      </p:to>
+                                    </p:set>
+                                  </p:childTnLst>
+                                </p:cTn>
+                              </p:par>
+                            </p:childTnLst>
+                          </p:cTn>
+                        </p:par>
+                        <p:par>
+                          <p:cTn id="8" fill="hold">
+                            <p:stCondLst>
+                              <p:cond delay="500"/>
+                            </p:stCondLst>
+                            <p:childTnLst>
+                              <p:par>
+                                <p:cTn id="9" presetID="1" presetClass="entr" presetSubtype="0" fill="hold" nodeType="afterEffect">
+                                  <p:stCondLst>
+                                    <p:cond delay="0"/>
+                                  </p:stCondLst>
+                                  <p:childTnLst>
+                                    <p:set>
+                                      <p:cBhvr>
+                                        <p:cTn id="10" dur="1" fill="hold">
+                                          <p:stCondLst>
+                                            <p:cond delay="0"/>
+                                          </p:stCondLst>
+                                        </p:cTn>
+                                        <p:tgtEl>
+                                          <p:spTgt spid="5"/>
+                                        </p:tgtEl>
+                                        <p:attrNameLst>
+                                          <p:attrName>style.visibility</p:attrName>
+                                        </p:attrNameLst>
+                                      </p:cBhvr>
+                                      <p:to>
+                                        <p:strVal val="visible"/>
+                                      </p:to>
+                                    </p:set>
+                                  </p:childTnLst>
+                                </p:cTn>
+                              </p:par>
+                            </p:childTnLst>
+                          </p:cTn>
+                        </p:par>
+                      </p:childTnLst>
+                    </p:cTn>
+                  </p:par>
+                  <p:par>
+                    <p:cTn id="11" fill="hold">
+                      <p:stCondLst>
+                        <p:cond delay="indefinite"/>
+                      </p:stCondLst>
+                      <p:childTnLst>
+                        <p:par>
+                          <p:cTn id="12" fill="hold">
+                            <p:stCondLst>
+                              <p:cond delay="0"/>
+                            </p:stCondLst>
+                            <p:childTnLst>
+                              <p:par>
+                                <p:cTn id="13" presetID="10" presetClass="entr" presetSubtype="0" fill="hold" nodeType="clickEffect">
+                                  <p:stCondLst>
+                                    <p:cond delay="0"/>
+                                  </p:stCondLst>
+                                  <p:childTnLst>
+                                    <p:set>
+                                      <p:cBhvr>
+                                        <p:cTn id="14" dur="1" fill="hold">
+                                          <p:stCondLst>
+                                            <p:cond delay="0"/>
+                                          </p:stCondLst>
+                                        </p:cTn>
+                                        <p:tgtEl>
+                                          <p:spTgt spid="8"/>
+                                        </p:tgtEl>
+                                        <p:attrNameLst>
+                                          <p:attrName>style.visibility</p:attrName>
+                                        </p:attrNameLst>
+                                      </p:cBhvr>
+                                      <p:to>
+                                        <p:strVal val="visible"/>
+                                      </p:to>
+                                    </p:set>
+                                    <p:animEffect transition="in" filter="fade">
+                                      <p:cBhvr>
+                                        <p:cTn id="15" dur="500"/>
+                                        <p:tgtEl>
+                                          <p:spTgt spid="8"/>
+                                        </p:tgtEl>
+                                      </p:cBhvr>
+                                    </p:animEffect>
+                                  </p:childTnLst>
+                                </p:cTn>
+                              </p:par>
+                            </p:childTnLst>
+                          </p:cTn>
+                        </p:par>
+                      </p:childTnLst>
+                    </p:cTn>
+                  </p:par>
+                  <p:par>
+                    <p:cTn id="16" fill="hold">
+                      <p:stCondLst>
+                        <p:cond delay="indefinite"/>
+                      </p:stCondLst>
+                      <p:childTnLst>
+                        <p:par>
+                          <p:cTn id="17" fill="hold">
+                            <p:stCondLst>
+                              <p:cond delay="0"/>
+                            </p:stCondLst>
+                            <p:childTnLst>
+                              <p:par>
+                                <p:cTn id="18" presetID="2" presetClass="entr" presetSubtype="4" fill="hold" nodeType="clickEffect">
+                                  <p:stCondLst>
+                                    <p:cond delay="0"/>
+                                  </p:stCondLst>
+                                  <p:childTnLst>
+                                    <p:set>
+                                      <p:cBhvr>
+                                        <p:cTn id="19" dur="1" fill="hold">
+                                          <p:stCondLst>
+                                            <p:cond delay="0"/>
+                                          </p:stCondLst>
+                                        </p:cTn>
+                                        <p:tgtEl>
+                                          <p:spTgt spid="6"/>
+                                        </p:tgtEl>
+                                        <p:attrNameLst>
+                                          <p:attrName>style.visibility</p:attrName>
+                                        </p:attrNameLst>
+                                      </p:cBhvr>
+                                      <p:to>
+                                        <p:strVal val="visible"/>
+                                      </p:to>
+                                    </p:set>
+                                    <p:anim calcmode="lin" valueType="num">
+                                      <p:cBhvr additive="base">
+                                        <p:cTn id="20" dur="500" fill="hold"/>
+                                        <p:tgtEl>
+                                          <p:spTgt spid="6"/>
+                                        </p:tgtEl>
+                                        <p:attrNameLst>
+                                          <p:attrName>ppt_x</p:attrName>
+                                        </p:attrNameLst>
+                                      </p:cBhvr>
+                                      <p:tavLst>
+                                        <p:tav tm="0">
+                                          <p:val>
+                                            <p:strVal val="#ppt_x"/>
+                                          </p:val>
+                                        </p:tav>
+                                        <p:tav tm="100000">
+                                          <p:val>
+                                            <p:strVal val="#ppt_x"/>
+                                          </p:val>
+                                        </p:tav>
+                                      </p:tavLst>
+                                    </p:anim>
+                                    <p:anim calcmode="lin" valueType="num">
+                                      <p:cBhvr additive="base">
+                                        <p:cTn id="21" dur="500" fill="hold"/>
+                                        <p:tgtEl>
+                                          <p:spTgt spid="6"/>
+                                        </p:tgtEl>
+                                        <p:attrNameLst>
+                                          <p:attrName>ppt_y</p:attrName>
+                                        </p:attrNameLst>
+                                      </p:cBhvr>
+                                      <p:tavLst>
+                                        <p:tav tm="0">
+                                          <p:val>
+                                            <p:strVal val="1+#ppt_h/2"/>
+                                          </p:val>
+                                        </p:tav>
+                                        <p:tav tm="100000">
+                                          <p:val>
+                                            <p:strVal val="#ppt_y"/>
+                                          </p:val>
+                                        </p:tav>
+                                      </p:tavLst>
+                                    </p:anim>
+                                  </p:childTnLst>
+                                </p:cTn>
+                              </p:par>
+                            </p:childTnLst>
+                          </p:cTn>
+                        </p:par>
+                      </p:childTnLst>
+                    </p:cTn>
+                  </p:par>
+                  <p:par>
+                    <p:cTn id="22" fill="hold">
+                      <p:stCondLst>
+                        <p:cond delay="indefinite"/>
+                      </p:stCondLst>
+                      <p:childTnLst>
+                        <p:par>
+                          <p:cTn id="23" fill="hold">
+                            <p:stCondLst>
+                              <p:cond delay="0"/>
+                            </p:stCondLst>
+                            <p:childTnLst>
+                              <p:par>
+                                <p:cTn id="24" presetID="42" presetClass="entr" presetSubtype="0" fill="hold" nodeType="clickEffect">
+                                  <p:stCondLst>
+                                    <p:cond delay="0"/>
+                                  </p:stCondLst>
+                                  <p:childTnLst>
+                                    <p:set>
+                                      <p:cBhvr>
+                                        <p:cTn id="25" dur="1" fill="hold">
+                                          <p:stCondLst>
+                                            <p:cond delay="0"/>
+                                          </p:stCondLst>
+                                        </p:cTn>
+                                        <p:tgtEl>
+                                          <p:spTgt spid="9"/>
+                                        </p:tgtEl>
+                                        <p:attrNameLst>
+                                          <p:attrName>style.visibility</p:attrName>
+                                        </p:attrNameLst>
+                                      </p:cBhvr>
+                                      <p:to>
+                                        <p:strVal val="visible"/>
+                                      </p:to>
+                                    </p:set>
+                                    <p:animEffect transition="in" filter="fade">
+                                      <p:cBhvr>
+                                        <p:cTn id="26" dur="1000"/>
+                                        <p:tgtEl>
+                                          <p:spTgt spid="9"/>
+                                        </p:tgtEl>
+                                      </p:cBhvr>
+                                    </p:animEffect>
+                                    <p:anim calcmode="lin" valueType="num">
+                                      <p:cBhvr>
+                                        <p:cTn id="27" dur="1000" fill="hold"/>
+                                        <p:tgtEl>
+                                          <p:spTgt spid="9"/>
+                                        </p:tgtEl>
+                                        <p:attrNameLst>
+                                          <p:attrName>ppt_x</p:attrName>
+                                        </p:attrNameLst>
+                                      </p:cBhvr>
+                                      <p:tavLst>
+                                        <p:tav tm="0">
+                                          <p:val>
+                                            <p:strVal val="#ppt_x"/>
+                                          </p:val>
+                                        </p:tav>
+                                        <p:tav tm="100000">
+                                          <p:val>
+                                            <p:strVal val="#ppt_x"/>
+                                          </p:val>
+                                        </p:tav>
+                                      </p:tavLst>
+                                    </p:anim>
+                                    <p:anim calcmode="lin" valueType="num">
+                                      <p:cBhvr>
+                                        <p:cTn id="28" dur="1000" fill="hold"/>
+                                        <p:tgtEl>
+                                          <p:spTgt spid="9"/>
+                                        </p:tgtEl>
+                                        <p:attrNameLst>
+                                          <p:attrName>ppt_y</p:attrName>
+                                        </p:attrNameLst>
+                                      </p:cBhvr>
+                                      <p:tavLst>
+                                        <p:tav tm="0">
+                                          <p:val>
+                                            <p:strVal val="#ppt_y+.1"/>
+                                          </p:val>
+                                        </p:tav>
+                                        <p:tav tm="100000">
+                                          <p:val>
+                                            <p:strVal val="#ppt_y"/>
+                                          </p:val>
+                                        </p:tav>
+                                      </p:tavLst>
+                                    </p:anim>
+                                  </p:childTnLst>
+                                </p:cTn>
+                              </p:par>
+                            </p:childTnLst>
+                          </p:cTn>
+                        </p:par>
+                      </p:childTnLst>
+                    </p:cTn>
+                  </p:par>
+                  <p:par>
+                    <p:cTn id="29" fill="hold">
+                      <p:stCondLst>
+                        <p:cond delay="indefinite"/>
+                      </p:stCondLst>
+                      <p:childTnLst>
+                        <p:par>
+                          <p:cTn id="30" fill="hold">
+                            <p:stCondLst>
+                              <p:cond delay="0"/>
+                            </p:stCondLst>
+                            <p:childTnLst>
+                              <p:par>
+                                <p:cTn id="31" presetID="16" presetClass="entr" presetSubtype="21" fill="hold" nodeType="clickEffect">
+                                  <p:stCondLst>
+                                    <p:cond delay="0"/>
+                                  </p:stCondLst>
+                                  <p:childTnLst>
+                                    <p:set>
+                                      <p:cBhvr>
+                                        <p:cTn id="32" dur="1" fill="hold">
+                                          <p:stCondLst>
+                                            <p:cond delay="0"/>
+                                          </p:stCondLst>
+                                        </p:cTn>
+                                        <p:tgtEl>
+                                          <p:spTgt spid="10"/>
+                                        </p:tgtEl>
+                                        <p:attrNameLst>
+                                          <p:attrName>style.visibility</p:attrName>
+                                        </p:attrNameLst>
+                                      </p:cBhvr>
+                                      <p:to>
+                                        <p:strVal val="visible"/>
+                                      </p:to>
+                                    </p:set>
+                                    <p:animEffect transition="in" filter="barn(inVertical)">
+                                      <p:cBhvr>
+                                        <p:cTn id="33" dur="500"/>
+                                        <p:tgtEl>
+                                          <p:spTgt spid="10"/>
+                                        </p:tgtEl>
+                                      </p:cBhvr>
+                                    </p:animEffect>
+                                  </p:childTnLst>
+                                </p:cTn>
+                              </p:par>
+                            </p:childTnLst>
+                          </p:cTn>
+                        </p:par>
+                      </p:childTnLst>
+                    </p:cTn>
+                  </p:par>
+                  <p:par>
+                    <p:cTn id="34" fill="hold">
+                      <p:stCondLst>
+                        <p:cond delay="indefinite"/>
+                      </p:stCondLst>
+                      <p:childTnLst>
+                        <p:par>
+                          <p:cTn id="35" fill="hold">
+                            <p:stCondLst>
+                              <p:cond delay="0"/>
+                            </p:stCondLst>
+                            <p:childTnLst>
+                              <p:par>
+                                <p:cTn id="36" presetID="22" presetClass="entr" presetSubtype="4" fill="hold" nodeType="clickEffect">
+                                  <p:stCondLst>
+                                    <p:cond delay="0"/>
+                                  </p:stCondLst>
+                                  <p:childTnLst>
+                                    <p:set>
+                                      <p:cBhvr>
+                                        <p:cTn id="37" dur="1" fill="hold">
+                                          <p:stCondLst>
+                                            <p:cond delay="0"/>
+                                          </p:stCondLst>
+                                        </p:cTn>
+                                        <p:tgtEl>
+                                          <p:spTgt spid="11"/>
+                                        </p:tgtEl>
+                                        <p:attrNameLst>
+                                          <p:attrName>style.visibility</p:attrName>
+                                        </p:attrNameLst>
+                                      </p:cBhvr>
+                                      <p:to>
+                                        <p:strVal val="visible"/>
+                                      </p:to>
+                                    </p:set>
+                                    <p:animEffect transition="in" filter="wipe(down)">
+                                      <p:cBhvr>
+                                        <p:cTn id="38" dur="500"/>
+                                        <p:tgtEl>
+                                          <p:spTgt spid="11"/>
+                                        </p:tgtEl>
+                                      </p:cBhvr>
+                                    </p:animEffect>
+                                  </p:childTnLst>
+                                </p:cTn>
+                              </p:par>
+                            </p:childTnLst>
+                          </p:cTn>
+                        </p:par>
+                      </p:childTnLst>
+                    </p:cTn>
+                  </p:par>
+                </p:childTnLst>
+              </p:cTn>
+              <p:prevCondLst>
+                <p:cond evt="onPrev" delay="0">
+                  <p:tgtEl>
+                    <p:sldTgt/>
+                  </p:tgtEl>
+                </p:cond>
+              </p:prevCondLst>
+              <p:nextCondLst>
+                <p:cond evt="onNext" delay="0">
+                  <p:tgtEl>
+                    <p:sldTgt/>
+                  </p:tgtEl>
+                </p:cond>
+              </p:nextCondLst>
+            </p:seq>
+          </p:childTnLst>
+        </p:cTn>
       </p:par>
     </p:tnLst>
   </p:timing>
@@ -5862,7 +6848,7 @@
     </p:spTree>
     <p:extLst>
       <p:ext uri="{BB962C8B-B14F-4D97-AF65-F5344CB8AC3E}">
-        <p14:creationId xmlns:p14="http://schemas.microsoft.com/office/powerpoint/2010/main" val="529352645"/>
+        <p14:creationId xmlns:p14="http://schemas.microsoft.com/office/powerpoint/2010/main" val="2738540"/>
       </p:ext>
     </p:extLst>
   </p:cSld>

--- a/FinalProject_MykhailoKutsybala.pptx
+++ b/FinalProject_MykhailoKutsybala.pptx
@@ -350,7 +350,7 @@
             <a:fld id="{5586B75A-687E-405C-8A0B-8D00578BA2C3}" type="datetimeFigureOut">
               <a:rPr lang="en-US" dirty="0"/>
               <a:pPr/>
-              <a:t>2/13/2023</a:t>
+              <a:t>2/24/2023</a:t>
             </a:fld>
             <a:endParaRPr lang="en-US" dirty="0"/>
           </a:p>
@@ -517,7 +517,7 @@
             <a:fld id="{5586B75A-687E-405C-8A0B-8D00578BA2C3}" type="datetimeFigureOut">
               <a:rPr lang="en-US" dirty="0"/>
               <a:pPr/>
-              <a:t>2/13/2023</a:t>
+              <a:t>2/24/2023</a:t>
             </a:fld>
             <a:endParaRPr lang="en-US" dirty="0"/>
           </a:p>
@@ -694,7 +694,7 @@
             <a:fld id="{5586B75A-687E-405C-8A0B-8D00578BA2C3}" type="datetimeFigureOut">
               <a:rPr lang="en-US" dirty="0"/>
               <a:pPr/>
-              <a:t>2/13/2023</a:t>
+              <a:t>2/24/2023</a:t>
             </a:fld>
             <a:endParaRPr lang="en-US" dirty="0"/>
           </a:p>
@@ -861,7 +861,7 @@
             <a:fld id="{5586B75A-687E-405C-8A0B-8D00578BA2C3}" type="datetimeFigureOut">
               <a:rPr lang="en-US" dirty="0"/>
               <a:pPr/>
-              <a:t>2/13/2023</a:t>
+              <a:t>2/24/2023</a:t>
             </a:fld>
             <a:endParaRPr lang="en-US" dirty="0"/>
           </a:p>
@@ -1116,7 +1116,7 @@
             <a:fld id="{5586B75A-687E-405C-8A0B-8D00578BA2C3}" type="datetimeFigureOut">
               <a:rPr lang="en-US" dirty="0"/>
               <a:pPr/>
-              <a:t>2/13/2023</a:t>
+              <a:t>2/24/2023</a:t>
             </a:fld>
             <a:endParaRPr lang="en-US" dirty="0"/>
           </a:p>
@@ -1401,7 +1401,7 @@
             <a:fld id="{5586B75A-687E-405C-8A0B-8D00578BA2C3}" type="datetimeFigureOut">
               <a:rPr lang="en-US" dirty="0"/>
               <a:pPr/>
-              <a:t>2/13/2023</a:t>
+              <a:t>2/24/2023</a:t>
             </a:fld>
             <a:endParaRPr lang="en-US" dirty="0"/>
           </a:p>
@@ -1840,7 +1840,7 @@
             <a:fld id="{5586B75A-687E-405C-8A0B-8D00578BA2C3}" type="datetimeFigureOut">
               <a:rPr lang="en-US" dirty="0"/>
               <a:pPr/>
-              <a:t>2/13/2023</a:t>
+              <a:t>2/24/2023</a:t>
             </a:fld>
             <a:endParaRPr lang="en-US" dirty="0"/>
           </a:p>
@@ -1955,7 +1955,7 @@
             <a:fld id="{5586B75A-687E-405C-8A0B-8D00578BA2C3}" type="datetimeFigureOut">
               <a:rPr lang="en-US" dirty="0"/>
               <a:pPr/>
-              <a:t>2/13/2023</a:t>
+              <a:t>2/24/2023</a:t>
             </a:fld>
             <a:endParaRPr lang="en-US" dirty="0"/>
           </a:p>
@@ -2047,7 +2047,7 @@
             <a:fld id="{5586B75A-687E-405C-8A0B-8D00578BA2C3}" type="datetimeFigureOut">
               <a:rPr lang="en-US" dirty="0"/>
               <a:pPr/>
-              <a:t>2/13/2023</a:t>
+              <a:t>2/24/2023</a:t>
             </a:fld>
             <a:endParaRPr lang="en-US" dirty="0"/>
           </a:p>
@@ -2332,7 +2332,7 @@
             <a:fld id="{5586B75A-687E-405C-8A0B-8D00578BA2C3}" type="datetimeFigureOut">
               <a:rPr lang="en-US" dirty="0"/>
               <a:pPr/>
-              <a:t>2/13/2023</a:t>
+              <a:t>2/24/2023</a:t>
             </a:fld>
             <a:endParaRPr lang="en-US" dirty="0"/>
           </a:p>
@@ -2602,7 +2602,7 @@
             <a:fld id="{5586B75A-687E-405C-8A0B-8D00578BA2C3}" type="datetimeFigureOut">
               <a:rPr lang="en-US" dirty="0"/>
               <a:pPr/>
-              <a:t>2/13/2023</a:t>
+              <a:t>2/24/2023</a:t>
             </a:fld>
             <a:endParaRPr lang="en-US" dirty="0"/>
           </a:p>
@@ -2896,7 +2896,7 @@
             <a:fld id="{5586B75A-687E-405C-8A0B-8D00578BA2C3}" type="datetimeFigureOut">
               <a:rPr lang="en-US" dirty="0"/>
               <a:pPr/>
-              <a:t>2/13/2023</a:t>
+              <a:t>2/24/2023</a:t>
             </a:fld>
             <a:endParaRPr lang="en-US" dirty="0"/>
           </a:p>
@@ -4571,7 +4571,15 @@
             </a:r>
             <a:r>
               <a:rPr lang="en-US" dirty="0"/>
-              <a:t>2012 finished the National Aviation University in specialty "Administrative Management in Information Protection" and received a "Master of Science in Information Technology" </a:t>
+              <a:t>2012 finished the National Aviation University </a:t>
+            </a:r>
+            <a:r>
+              <a:rPr lang="en-US" dirty="0" smtClean="0"/>
+              <a:t>in the </a:t>
+            </a:r>
+            <a:r>
+              <a:rPr lang="en-US" dirty="0"/>
+              <a:t>specialty "Administrative Management in Information Protection" and received a "Master of Science in Information Technology" </a:t>
             </a:r>
             <a:r>
               <a:rPr lang="en-US" dirty="0" smtClean="0"/>
@@ -6763,7 +6771,7 @@
         <p:spPr>
           <a:xfrm>
             <a:off x="4329245" y="3715007"/>
-            <a:ext cx="6751129" cy="2308324"/>
+            <a:ext cx="6751129" cy="1200329"/>
           </a:xfrm>
           <a:prstGeom prst="rect">
             <a:avLst/>
@@ -6791,47 +6799,11 @@
             </a:r>
             <a:r>
               <a:rPr lang="en-US" dirty="0"/>
-              <a:t> triggers a Jenkins pipeline. Then Jenkins checks out </a:t>
-            </a:r>
-            <a:r>
-              <a:rPr lang="en-US" dirty="0" err="1"/>
-              <a:t>Jenkinsfile</a:t>
+              <a:t> triggers a Jenkins pipeline. </a:t>
             </a:r>
             <a:r>
               <a:rPr lang="en-US" dirty="0"/>
-              <a:t> from the source control repository, when pipeline configuration has been defined, stage one execution begins. At this stage, Jenkins clones the branch "dev" and copies the source code to the </a:t>
-            </a:r>
-            <a:r>
-              <a:rPr lang="en-US" dirty="0" smtClean="0"/>
-              <a:t>Docker </a:t>
-            </a:r>
-            <a:r>
-              <a:rPr lang="en-US" dirty="0"/>
-              <a:t>directory. At the next stage, Jenkins pulls the "</a:t>
-            </a:r>
-            <a:r>
-              <a:rPr lang="en-US" dirty="0" err="1"/>
-              <a:t>docker</a:t>
-            </a:r>
-            <a:r>
-              <a:rPr lang="en-US" dirty="0"/>
-              <a:t>" branch that contains </a:t>
-            </a:r>
-            <a:r>
-              <a:rPr lang="en-US" dirty="0" err="1"/>
-              <a:t>Dockerfile</a:t>
-            </a:r>
-            <a:r>
-              <a:rPr lang="en-US" dirty="0"/>
-              <a:t>, creates a </a:t>
-            </a:r>
-            <a:r>
-              <a:rPr lang="en-US" dirty="0" smtClean="0"/>
-              <a:t>Docker </a:t>
-            </a:r>
-            <a:r>
-              <a:rPr lang="en-US" dirty="0"/>
-              <a:t>image, and pushes the artifact to the </a:t>
+              <a:t>At this stage, Jenkins clones the branch "dev", creates a Docker image, and pushes the artifact to the </a:t>
             </a:r>
             <a:r>
               <a:rPr lang="en-US" dirty="0" err="1"/>
@@ -7231,7 +7203,7 @@
         <p:spPr>
           <a:xfrm>
             <a:off x="4329244" y="3725167"/>
-            <a:ext cx="4550595" cy="2308324"/>
+            <a:ext cx="4550595" cy="1754326"/>
           </a:xfrm>
           <a:prstGeom prst="rect">
             <a:avLst/>
@@ -7271,7 +7243,11 @@
             </a:r>
             <a:r>
               <a:rPr lang="en-US" dirty="0"/>
-              <a:t> and runs a Docker container with our application. After finishing this stage we can test our application that is running by the Nginx server in a Docker container.</a:t>
+              <a:t> and runs a Docker container with our application</a:t>
+            </a:r>
+            <a:r>
+              <a:rPr lang="en-US" dirty="0" smtClean="0"/>
+              <a:t>.</a:t>
             </a:r>
             <a:endParaRPr lang="ru-RU" dirty="0"/>
           </a:p>
